--- a/LAB8.pptx
+++ b/LAB8.pptx
@@ -7746,6 +7746,80 @@
           </a:prstGeom>
         </p:spPr>
       </p:pic>
+      <p:cxnSp>
+        <p:nvCxnSpPr>
+          <p:cNvPr id="6" name="Straight Arrow Connector 5"/>
+          <p:cNvCxnSpPr/>
+          <p:nvPr/>
+        </p:nvCxnSpPr>
+        <p:spPr>
+          <a:xfrm flipH="1" flipV="1">
+            <a:off x="1726565" y="5765800"/>
+            <a:ext cx="1600200" cy="465455"/>
+          </a:xfrm>
+          <a:prstGeom prst="straightConnector1">
+            <a:avLst/>
+          </a:prstGeom>
+          <a:ln w="31750" cap="rnd">
+            <a:solidFill>
+              <a:schemeClr val="accent1"/>
+            </a:solidFill>
+            <a:round/>
+            <a:tailEnd type="arrow" w="med" len="med"/>
+          </a:ln>
+        </p:spPr>
+        <p:style>
+          <a:lnRef idx="0">
+            <a:srgbClr val="FFFFFF"/>
+          </a:lnRef>
+          <a:fillRef idx="0">
+            <a:srgbClr val="FFFFFF"/>
+          </a:fillRef>
+          <a:effectRef idx="0">
+            <a:srgbClr val="FFFFFF"/>
+          </a:effectRef>
+          <a:fontRef idx="minor">
+            <a:schemeClr val="tx1"/>
+          </a:fontRef>
+        </p:style>
+      </p:cxnSp>
+      <p:cxnSp>
+        <p:nvCxnSpPr>
+          <p:cNvPr id="7" name="Straight Arrow Connector 6"/>
+          <p:cNvCxnSpPr/>
+          <p:nvPr/>
+        </p:nvCxnSpPr>
+        <p:spPr>
+          <a:xfrm flipH="1" flipV="1">
+            <a:off x="8475345" y="5520690"/>
+            <a:ext cx="1600200" cy="465455"/>
+          </a:xfrm>
+          <a:prstGeom prst="straightConnector1">
+            <a:avLst/>
+          </a:prstGeom>
+          <a:ln w="31750" cap="rnd">
+            <a:solidFill>
+              <a:schemeClr val="accent1"/>
+            </a:solidFill>
+            <a:round/>
+            <a:tailEnd type="arrow" w="med" len="med"/>
+          </a:ln>
+        </p:spPr>
+        <p:style>
+          <a:lnRef idx="0">
+            <a:srgbClr val="FFFFFF"/>
+          </a:lnRef>
+          <a:fillRef idx="0">
+            <a:srgbClr val="FFFFFF"/>
+          </a:fillRef>
+          <a:effectRef idx="0">
+            <a:srgbClr val="FFFFFF"/>
+          </a:effectRef>
+          <a:fontRef idx="minor">
+            <a:schemeClr val="tx1"/>
+          </a:fontRef>
+        </p:style>
+      </p:cxnSp>
     </p:spTree>
   </p:cSld>
   <p:clrMapOvr>
@@ -8305,6 +8379,43 @@
           </a:prstGeom>
         </p:spPr>
       </p:pic>
+      <p:cxnSp>
+        <p:nvCxnSpPr>
+          <p:cNvPr id="7" name="Straight Arrow Connector 6"/>
+          <p:cNvCxnSpPr/>
+          <p:nvPr/>
+        </p:nvCxnSpPr>
+        <p:spPr>
+          <a:xfrm>
+            <a:off x="7577455" y="5367655"/>
+            <a:ext cx="651510" cy="575945"/>
+          </a:xfrm>
+          <a:prstGeom prst="straightConnector1">
+            <a:avLst/>
+          </a:prstGeom>
+          <a:ln w="31750" cap="rnd">
+            <a:solidFill>
+              <a:schemeClr val="accent1"/>
+            </a:solidFill>
+            <a:round/>
+            <a:tailEnd type="arrow" w="med" len="med"/>
+          </a:ln>
+        </p:spPr>
+        <p:style>
+          <a:lnRef idx="0">
+            <a:srgbClr val="FFFFFF"/>
+          </a:lnRef>
+          <a:fillRef idx="0">
+            <a:srgbClr val="FFFFFF"/>
+          </a:fillRef>
+          <a:effectRef idx="0">
+            <a:srgbClr val="FFFFFF"/>
+          </a:effectRef>
+          <a:fontRef idx="minor">
+            <a:schemeClr val="tx1"/>
+          </a:fontRef>
+        </p:style>
+      </p:cxnSp>
     </p:spTree>
   </p:cSld>
   <p:clrMapOvr>
